--- a/IBP_2018/Doc/20180730_IBP2018.pptx
+++ b/IBP_2018/Doc/20180730_IBP2018.pptx
@@ -24,6 +24,12 @@
     <p:sldId id="272" r:id="rId18"/>
     <p:sldId id="273" r:id="rId19"/>
     <p:sldId id="274" r:id="rId20"/>
+    <p:sldId id="279" r:id="rId21"/>
+    <p:sldId id="277" r:id="rId22"/>
+    <p:sldId id="278" r:id="rId23"/>
+    <p:sldId id="275" r:id="rId24"/>
+    <p:sldId id="276" r:id="rId25"/>
+    <p:sldId id="280" r:id="rId26"/>
   </p:sldIdLst>
   <p:sldSz cx="12192000" cy="6858000"/>
   <p:notesSz cx="6858000" cy="9144000"/>
@@ -122,6 +128,11 @@
       </a:defRPr>
     </a:lvl9pPr>
   </p:defaultTextStyle>
+  <p:extLst>
+    <p:ext uri="{EFAFB233-063F-42B5-8137-9DF3F51BA10A}">
+      <p15:sldGuideLst xmlns:p15="http://schemas.microsoft.com/office/powerpoint/2012/main"/>
+    </p:ext>
+  </p:extLst>
 </p:presentation>
 </file>
 
@@ -256,7 +267,7 @@
           <a:p>
             <a:fld id="{8BF1FEA6-F694-41B4-A3CF-8715781B1DCA}" type="datetimeFigureOut">
               <a:rPr lang="nl-NL" smtClean="0"/>
-              <a:t>29-7-2018</a:t>
+              <a:t>31-7-2018</a:t>
             </a:fld>
             <a:endParaRPr lang="nl-NL"/>
           </a:p>
@@ -426,7 +437,7 @@
           <a:p>
             <a:fld id="{8BF1FEA6-F694-41B4-A3CF-8715781B1DCA}" type="datetimeFigureOut">
               <a:rPr lang="nl-NL" smtClean="0"/>
-              <a:t>29-7-2018</a:t>
+              <a:t>31-7-2018</a:t>
             </a:fld>
             <a:endParaRPr lang="nl-NL"/>
           </a:p>
@@ -606,7 +617,7 @@
           <a:p>
             <a:fld id="{8BF1FEA6-F694-41B4-A3CF-8715781B1DCA}" type="datetimeFigureOut">
               <a:rPr lang="nl-NL" smtClean="0"/>
-              <a:t>29-7-2018</a:t>
+              <a:t>31-7-2018</a:t>
             </a:fld>
             <a:endParaRPr lang="nl-NL"/>
           </a:p>
@@ -776,7 +787,7 @@
           <a:p>
             <a:fld id="{8BF1FEA6-F694-41B4-A3CF-8715781B1DCA}" type="datetimeFigureOut">
               <a:rPr lang="nl-NL" smtClean="0"/>
-              <a:t>29-7-2018</a:t>
+              <a:t>31-7-2018</a:t>
             </a:fld>
             <a:endParaRPr lang="nl-NL"/>
           </a:p>
@@ -1022,7 +1033,7 @@
           <a:p>
             <a:fld id="{8BF1FEA6-F694-41B4-A3CF-8715781B1DCA}" type="datetimeFigureOut">
               <a:rPr lang="nl-NL" smtClean="0"/>
-              <a:t>29-7-2018</a:t>
+              <a:t>31-7-2018</a:t>
             </a:fld>
             <a:endParaRPr lang="nl-NL"/>
           </a:p>
@@ -1254,7 +1265,7 @@
           <a:p>
             <a:fld id="{8BF1FEA6-F694-41B4-A3CF-8715781B1DCA}" type="datetimeFigureOut">
               <a:rPr lang="nl-NL" smtClean="0"/>
-              <a:t>29-7-2018</a:t>
+              <a:t>31-7-2018</a:t>
             </a:fld>
             <a:endParaRPr lang="nl-NL"/>
           </a:p>
@@ -1621,7 +1632,7 @@
           <a:p>
             <a:fld id="{8BF1FEA6-F694-41B4-A3CF-8715781B1DCA}" type="datetimeFigureOut">
               <a:rPr lang="nl-NL" smtClean="0"/>
-              <a:t>29-7-2018</a:t>
+              <a:t>31-7-2018</a:t>
             </a:fld>
             <a:endParaRPr lang="nl-NL"/>
           </a:p>
@@ -1739,7 +1750,7 @@
           <a:p>
             <a:fld id="{8BF1FEA6-F694-41B4-A3CF-8715781B1DCA}" type="datetimeFigureOut">
               <a:rPr lang="nl-NL" smtClean="0"/>
-              <a:t>29-7-2018</a:t>
+              <a:t>31-7-2018</a:t>
             </a:fld>
             <a:endParaRPr lang="nl-NL"/>
           </a:p>
@@ -1834,7 +1845,7 @@
           <a:p>
             <a:fld id="{8BF1FEA6-F694-41B4-A3CF-8715781B1DCA}" type="datetimeFigureOut">
               <a:rPr lang="nl-NL" smtClean="0"/>
-              <a:t>29-7-2018</a:t>
+              <a:t>31-7-2018</a:t>
             </a:fld>
             <a:endParaRPr lang="nl-NL"/>
           </a:p>
@@ -2111,7 +2122,7 @@
           <a:p>
             <a:fld id="{8BF1FEA6-F694-41B4-A3CF-8715781B1DCA}" type="datetimeFigureOut">
               <a:rPr lang="nl-NL" smtClean="0"/>
-              <a:t>29-7-2018</a:t>
+              <a:t>31-7-2018</a:t>
             </a:fld>
             <a:endParaRPr lang="nl-NL"/>
           </a:p>
@@ -2364,7 +2375,7 @@
           <a:p>
             <a:fld id="{8BF1FEA6-F694-41B4-A3CF-8715781B1DCA}" type="datetimeFigureOut">
               <a:rPr lang="nl-NL" smtClean="0"/>
-              <a:t>29-7-2018</a:t>
+              <a:t>31-7-2018</a:t>
             </a:fld>
             <a:endParaRPr lang="nl-NL"/>
           </a:p>
@@ -2577,7 +2588,7 @@
           <a:p>
             <a:fld id="{8BF1FEA6-F694-41B4-A3CF-8715781B1DCA}" type="datetimeFigureOut">
               <a:rPr lang="nl-NL" smtClean="0"/>
-              <a:t>29-7-2018</a:t>
+              <a:t>31-7-2018</a:t>
             </a:fld>
             <a:endParaRPr lang="nl-NL"/>
           </a:p>
@@ -3327,11 +3338,11 @@
   <p:clrMapOvr>
     <a:masterClrMapping/>
   </p:clrMapOvr>
-  <mc:AlternateContent xmlns:mc="http://schemas.openxmlformats.org/markup-compatibility/2006">
-    <mc:Choice xmlns:p14="http://schemas.microsoft.com/office/powerpoint/2010/main" Requires="p14">
+  <mc:AlternateContent xmlns:mc="http://schemas.openxmlformats.org/markup-compatibility/2006" xmlns:p14="http://schemas.microsoft.com/office/powerpoint/2010/main">
+    <mc:Choice Requires="p14">
       <p:transition spd="slow" p14:dur="2000"/>
     </mc:Choice>
-    <mc:Fallback>
+    <mc:Fallback xmlns="">
       <p:transition spd="slow"/>
     </mc:Fallback>
   </mc:AlternateContent>
@@ -4839,7 +4850,7 @@
           <a:graphicData uri="http://schemas.openxmlformats.org/presentationml/2006/ole">
             <mc:AlternateContent xmlns:mc="http://schemas.openxmlformats.org/markup-compatibility/2006">
               <mc:Choice xmlns:v="urn:schemas-microsoft-com:vml" Requires="v">
-                <p:oleObj spid="_x0000_s8194" name="Document" r:id="rId3" imgW="4827274" imgH="2061645" progId="Word.Document.12">
+                <p:oleObj spid="_x0000_s8202" name="Document" r:id="rId3" imgW="4827274" imgH="2061645" progId="Word.Document.12">
                   <p:embed/>
                 </p:oleObj>
               </mc:Choice>
@@ -5318,6 +5329,767 @@
 </p:sld>
 </file>
 
+<file path=ppt/slides/slide20.xml><?xml version="1.0" encoding="utf-8"?>
+<p:sld xmlns:a="http://schemas.openxmlformats.org/drawingml/2006/main" xmlns:r="http://schemas.openxmlformats.org/officeDocument/2006/relationships" xmlns:p="http://schemas.openxmlformats.org/presentationml/2006/main">
+  <p:cSld>
+    <p:spTree>
+      <p:nvGrpSpPr>
+        <p:cNvPr id="1" name=""/>
+        <p:cNvGrpSpPr/>
+        <p:nvPr/>
+      </p:nvGrpSpPr>
+      <p:grpSpPr>
+        <a:xfrm>
+          <a:off x="0" y="0"/>
+          <a:ext cx="0" cy="0"/>
+          <a:chOff x="0" y="0"/>
+          <a:chExt cx="0" cy="0"/>
+        </a:xfrm>
+      </p:grpSpPr>
+      <p:sp>
+        <p:nvSpPr>
+          <p:cNvPr id="2" name="Title 1"/>
+          <p:cNvSpPr>
+            <a:spLocks noGrp="1"/>
+          </p:cNvSpPr>
+          <p:nvPr>
+            <p:ph type="title"/>
+          </p:nvPr>
+        </p:nvSpPr>
+        <p:spPr/>
+        <p:txBody>
+          <a:bodyPr/>
+          <a:lstStyle/>
+          <a:p>
+            <a:pPr algn="ctr"/>
+            <a:r>
+              <a:rPr lang="nl-NL" dirty="0" err="1" smtClean="0"/>
+              <a:t>Tuesday</a:t>
+            </a:r>
+            <a:r>
+              <a:rPr lang="nl-NL" dirty="0" smtClean="0"/>
+              <a:t> 31-07-2018</a:t>
+            </a:r>
+            <a:endParaRPr lang="nl-NL" dirty="0"/>
+          </a:p>
+        </p:txBody>
+      </p:sp>
+    </p:spTree>
+    <p:extLst>
+      <p:ext uri="{BB962C8B-B14F-4D97-AF65-F5344CB8AC3E}">
+        <p14:creationId xmlns:p14="http://schemas.microsoft.com/office/powerpoint/2010/main" val="2864885952"/>
+      </p:ext>
+    </p:extLst>
+  </p:cSld>
+  <p:clrMapOvr>
+    <a:masterClrMapping/>
+  </p:clrMapOvr>
+  <p:timing>
+    <p:tnLst>
+      <p:par>
+        <p:cTn id="1" dur="indefinite" restart="never" nodeType="tmRoot"/>
+      </p:par>
+    </p:tnLst>
+  </p:timing>
+</p:sld>
+</file>
+
+<file path=ppt/slides/slide21.xml><?xml version="1.0" encoding="utf-8"?>
+<p:sld xmlns:a="http://schemas.openxmlformats.org/drawingml/2006/main" xmlns:r="http://schemas.openxmlformats.org/officeDocument/2006/relationships" xmlns:p="http://schemas.openxmlformats.org/presentationml/2006/main">
+  <p:cSld>
+    <p:spTree>
+      <p:nvGrpSpPr>
+        <p:cNvPr id="1" name=""/>
+        <p:cNvGrpSpPr/>
+        <p:nvPr/>
+      </p:nvGrpSpPr>
+      <p:grpSpPr>
+        <a:xfrm>
+          <a:off x="0" y="0"/>
+          <a:ext cx="0" cy="0"/>
+          <a:chOff x="0" y="0"/>
+          <a:chExt cx="0" cy="0"/>
+        </a:xfrm>
+      </p:grpSpPr>
+      <p:pic>
+        <p:nvPicPr>
+          <p:cNvPr id="5" name="Picture 4"/>
+          <p:cNvPicPr>
+            <a:picLocks noChangeAspect="1"/>
+          </p:cNvPicPr>
+          <p:nvPr/>
+        </p:nvPicPr>
+        <p:blipFill>
+          <a:blip r:embed="rId2"/>
+          <a:stretch>
+            <a:fillRect/>
+          </a:stretch>
+        </p:blipFill>
+        <p:spPr>
+          <a:xfrm>
+            <a:off x="435929" y="377189"/>
+            <a:ext cx="10851711" cy="6400800"/>
+          </a:xfrm>
+          <a:prstGeom prst="rect">
+            <a:avLst/>
+          </a:prstGeom>
+        </p:spPr>
+      </p:pic>
+    </p:spTree>
+    <p:extLst>
+      <p:ext uri="{BB962C8B-B14F-4D97-AF65-F5344CB8AC3E}">
+        <p14:creationId xmlns:p14="http://schemas.microsoft.com/office/powerpoint/2010/main" val="1120969873"/>
+      </p:ext>
+    </p:extLst>
+  </p:cSld>
+  <p:clrMapOvr>
+    <a:masterClrMapping/>
+  </p:clrMapOvr>
+  <p:timing>
+    <p:tnLst>
+      <p:par>
+        <p:cTn id="1" dur="indefinite" restart="never" nodeType="tmRoot"/>
+      </p:par>
+    </p:tnLst>
+  </p:timing>
+</p:sld>
+</file>
+
+<file path=ppt/slides/slide22.xml><?xml version="1.0" encoding="utf-8"?>
+<p:sld xmlns:a="http://schemas.openxmlformats.org/drawingml/2006/main" xmlns:r="http://schemas.openxmlformats.org/officeDocument/2006/relationships" xmlns:p="http://schemas.openxmlformats.org/presentationml/2006/main">
+  <p:cSld>
+    <p:spTree>
+      <p:nvGrpSpPr>
+        <p:cNvPr id="1" name=""/>
+        <p:cNvGrpSpPr/>
+        <p:nvPr/>
+      </p:nvGrpSpPr>
+      <p:grpSpPr>
+        <a:xfrm>
+          <a:off x="0" y="0"/>
+          <a:ext cx="0" cy="0"/>
+          <a:chOff x="0" y="0"/>
+          <a:chExt cx="0" cy="0"/>
+        </a:xfrm>
+      </p:grpSpPr>
+      <p:pic>
+        <p:nvPicPr>
+          <p:cNvPr id="4" name="Picture 3"/>
+          <p:cNvPicPr>
+            <a:picLocks noChangeAspect="1"/>
+          </p:cNvPicPr>
+          <p:nvPr/>
+        </p:nvPicPr>
+        <p:blipFill>
+          <a:blip r:embed="rId2">
+            <a:extLst>
+              <a:ext uri="{28A0092B-C50C-407E-A947-70E740481C1C}">
+                <a14:useLocalDpi xmlns:a14="http://schemas.microsoft.com/office/drawing/2010/main" val="0"/>
+              </a:ext>
+            </a:extLst>
+          </a:blip>
+          <a:stretch>
+            <a:fillRect/>
+          </a:stretch>
+        </p:blipFill>
+        <p:spPr>
+          <a:xfrm>
+            <a:off x="5878286" y="743494"/>
+            <a:ext cx="4828032" cy="3017520"/>
+          </a:xfrm>
+          <a:prstGeom prst="rect">
+            <a:avLst/>
+          </a:prstGeom>
+        </p:spPr>
+      </p:pic>
+      <p:pic>
+        <p:nvPicPr>
+          <p:cNvPr id="5" name="Picture 4"/>
+          <p:cNvPicPr>
+            <a:picLocks noChangeAspect="1"/>
+          </p:cNvPicPr>
+          <p:nvPr/>
+        </p:nvPicPr>
+        <p:blipFill>
+          <a:blip r:embed="rId3">
+            <a:extLst>
+              <a:ext uri="{28A0092B-C50C-407E-A947-70E740481C1C}">
+                <a14:useLocalDpi xmlns:a14="http://schemas.microsoft.com/office/drawing/2010/main" val="0"/>
+              </a:ext>
+            </a:extLst>
+          </a:blip>
+          <a:stretch>
+            <a:fillRect/>
+          </a:stretch>
+        </p:blipFill>
+        <p:spPr>
+          <a:xfrm>
+            <a:off x="3187338" y="3761014"/>
+            <a:ext cx="4828032" cy="3017520"/>
+          </a:xfrm>
+          <a:prstGeom prst="rect">
+            <a:avLst/>
+          </a:prstGeom>
+        </p:spPr>
+      </p:pic>
+      <p:pic>
+        <p:nvPicPr>
+          <p:cNvPr id="6" name="Picture 5"/>
+          <p:cNvPicPr>
+            <a:picLocks noChangeAspect="1"/>
+          </p:cNvPicPr>
+          <p:nvPr/>
+        </p:nvPicPr>
+        <p:blipFill>
+          <a:blip r:embed="rId4">
+            <a:extLst>
+              <a:ext uri="{28A0092B-C50C-407E-A947-70E740481C1C}">
+                <a14:useLocalDpi xmlns:a14="http://schemas.microsoft.com/office/drawing/2010/main" val="0"/>
+              </a:ext>
+            </a:extLst>
+          </a:blip>
+          <a:stretch>
+            <a:fillRect/>
+          </a:stretch>
+        </p:blipFill>
+        <p:spPr>
+          <a:xfrm>
+            <a:off x="391888" y="743494"/>
+            <a:ext cx="4828032" cy="3017520"/>
+          </a:xfrm>
+          <a:prstGeom prst="rect">
+            <a:avLst/>
+          </a:prstGeom>
+        </p:spPr>
+      </p:pic>
+    </p:spTree>
+    <p:extLst>
+      <p:ext uri="{BB962C8B-B14F-4D97-AF65-F5344CB8AC3E}">
+        <p14:creationId xmlns:p14="http://schemas.microsoft.com/office/powerpoint/2010/main" val="4245764371"/>
+      </p:ext>
+    </p:extLst>
+  </p:cSld>
+  <p:clrMapOvr>
+    <a:masterClrMapping/>
+  </p:clrMapOvr>
+  <p:timing>
+    <p:tnLst>
+      <p:par>
+        <p:cTn id="1" dur="indefinite" restart="never" nodeType="tmRoot"/>
+      </p:par>
+    </p:tnLst>
+  </p:timing>
+</p:sld>
+</file>
+
+<file path=ppt/slides/slide23.xml><?xml version="1.0" encoding="utf-8"?>
+<p:sld xmlns:a="http://schemas.openxmlformats.org/drawingml/2006/main" xmlns:r="http://schemas.openxmlformats.org/officeDocument/2006/relationships" xmlns:p="http://schemas.openxmlformats.org/presentationml/2006/main">
+  <p:cSld>
+    <p:spTree>
+      <p:nvGrpSpPr>
+        <p:cNvPr id="1" name=""/>
+        <p:cNvGrpSpPr/>
+        <p:nvPr/>
+      </p:nvGrpSpPr>
+      <p:grpSpPr>
+        <a:xfrm>
+          <a:off x="0" y="0"/>
+          <a:ext cx="0" cy="0"/>
+          <a:chOff x="0" y="0"/>
+          <a:chExt cx="0" cy="0"/>
+        </a:xfrm>
+      </p:grpSpPr>
+      <p:pic>
+        <p:nvPicPr>
+          <p:cNvPr id="4" name="Picture 3"/>
+          <p:cNvPicPr>
+            <a:picLocks noChangeAspect="1"/>
+          </p:cNvPicPr>
+          <p:nvPr/>
+        </p:nvPicPr>
+        <p:blipFill>
+          <a:blip r:embed="rId2">
+            <a:extLst>
+              <a:ext uri="{28A0092B-C50C-407E-A947-70E740481C1C}">
+                <a14:useLocalDpi xmlns:a14="http://schemas.microsoft.com/office/drawing/2010/main" val="0"/>
+              </a:ext>
+            </a:extLst>
+          </a:blip>
+          <a:stretch>
+            <a:fillRect/>
+          </a:stretch>
+        </p:blipFill>
+        <p:spPr>
+          <a:xfrm>
+            <a:off x="661852" y="1451066"/>
+            <a:ext cx="4389120" cy="2743200"/>
+          </a:xfrm>
+          <a:prstGeom prst="rect">
+            <a:avLst/>
+          </a:prstGeom>
+        </p:spPr>
+      </p:pic>
+      <p:pic>
+        <p:nvPicPr>
+          <p:cNvPr id="5" name="Picture 4"/>
+          <p:cNvPicPr>
+            <a:picLocks noChangeAspect="1"/>
+          </p:cNvPicPr>
+          <p:nvPr/>
+        </p:nvPicPr>
+        <p:blipFill>
+          <a:blip r:embed="rId3">
+            <a:extLst>
+              <a:ext uri="{28A0092B-C50C-407E-A947-70E740481C1C}">
+                <a14:useLocalDpi xmlns:a14="http://schemas.microsoft.com/office/drawing/2010/main" val="0"/>
+              </a:ext>
+            </a:extLst>
+          </a:blip>
+          <a:stretch>
+            <a:fillRect/>
+          </a:stretch>
+        </p:blipFill>
+        <p:spPr>
+          <a:xfrm>
+            <a:off x="6209212" y="1451066"/>
+            <a:ext cx="4389120" cy="2743200"/>
+          </a:xfrm>
+          <a:prstGeom prst="rect">
+            <a:avLst/>
+          </a:prstGeom>
+        </p:spPr>
+      </p:pic>
+      <p:pic>
+        <p:nvPicPr>
+          <p:cNvPr id="6" name="Picture 5"/>
+          <p:cNvPicPr>
+            <a:picLocks noChangeAspect="1"/>
+          </p:cNvPicPr>
+          <p:nvPr/>
+        </p:nvPicPr>
+        <p:blipFill>
+          <a:blip r:embed="rId4">
+            <a:extLst>
+              <a:ext uri="{28A0092B-C50C-407E-A947-70E740481C1C}">
+                <a14:useLocalDpi xmlns:a14="http://schemas.microsoft.com/office/drawing/2010/main" val="0"/>
+              </a:ext>
+            </a:extLst>
+          </a:blip>
+          <a:stretch>
+            <a:fillRect/>
+          </a:stretch>
+        </p:blipFill>
+        <p:spPr>
+          <a:xfrm>
+            <a:off x="3435532" y="4114800"/>
+            <a:ext cx="4389120" cy="2743200"/>
+          </a:xfrm>
+          <a:prstGeom prst="rect">
+            <a:avLst/>
+          </a:prstGeom>
+        </p:spPr>
+      </p:pic>
+      <p:sp>
+        <p:nvSpPr>
+          <p:cNvPr id="7" name="Title 1"/>
+          <p:cNvSpPr>
+            <a:spLocks noGrp="1"/>
+          </p:cNvSpPr>
+          <p:nvPr>
+            <p:ph type="title"/>
+          </p:nvPr>
+        </p:nvSpPr>
+        <p:spPr>
+          <a:xfrm>
+            <a:off x="820616" y="46037"/>
+            <a:ext cx="10515600" cy="1325563"/>
+          </a:xfrm>
+        </p:spPr>
+        <p:txBody>
+          <a:bodyPr/>
+          <a:lstStyle/>
+          <a:p>
+            <a:r>
+              <a:rPr lang="nl-NL" dirty="0" smtClean="0"/>
+              <a:t>IBP 2018 – </a:t>
+            </a:r>
+            <a:r>
+              <a:rPr lang="nl-NL" dirty="0" err="1" smtClean="0"/>
+              <a:t>All</a:t>
+            </a:r>
+            <a:r>
+              <a:rPr lang="nl-NL" dirty="0" smtClean="0"/>
+              <a:t> runs </a:t>
+            </a:r>
+            <a:endParaRPr lang="nl-NL" dirty="0"/>
+          </a:p>
+        </p:txBody>
+      </p:sp>
+    </p:spTree>
+    <p:extLst>
+      <p:ext uri="{BB962C8B-B14F-4D97-AF65-F5344CB8AC3E}">
+        <p14:creationId xmlns:p14="http://schemas.microsoft.com/office/powerpoint/2010/main" val="2001405122"/>
+      </p:ext>
+    </p:extLst>
+  </p:cSld>
+  <p:clrMapOvr>
+    <a:masterClrMapping/>
+  </p:clrMapOvr>
+  <p:timing>
+    <p:tnLst>
+      <p:par>
+        <p:cTn id="1" dur="indefinite" restart="never" nodeType="tmRoot"/>
+      </p:par>
+    </p:tnLst>
+  </p:timing>
+</p:sld>
+</file>
+
+<file path=ppt/slides/slide24.xml><?xml version="1.0" encoding="utf-8"?>
+<p:sld xmlns:a="http://schemas.openxmlformats.org/drawingml/2006/main" xmlns:r="http://schemas.openxmlformats.org/officeDocument/2006/relationships" xmlns:p="http://schemas.openxmlformats.org/presentationml/2006/main">
+  <p:cSld>
+    <p:spTree>
+      <p:nvGrpSpPr>
+        <p:cNvPr id="1" name=""/>
+        <p:cNvGrpSpPr/>
+        <p:nvPr/>
+      </p:nvGrpSpPr>
+      <p:grpSpPr>
+        <a:xfrm>
+          <a:off x="0" y="0"/>
+          <a:ext cx="0" cy="0"/>
+          <a:chOff x="0" y="0"/>
+          <a:chExt cx="0" cy="0"/>
+        </a:xfrm>
+      </p:grpSpPr>
+      <p:pic>
+        <p:nvPicPr>
+          <p:cNvPr id="4" name="Picture 3"/>
+          <p:cNvPicPr>
+            <a:picLocks noChangeAspect="1"/>
+          </p:cNvPicPr>
+          <p:nvPr/>
+        </p:nvPicPr>
+        <p:blipFill>
+          <a:blip r:embed="rId2">
+            <a:extLst>
+              <a:ext uri="{28A0092B-C50C-407E-A947-70E740481C1C}">
+                <a14:useLocalDpi xmlns:a14="http://schemas.microsoft.com/office/drawing/2010/main" val="0"/>
+              </a:ext>
+            </a:extLst>
+          </a:blip>
+          <a:stretch>
+            <a:fillRect/>
+          </a:stretch>
+        </p:blipFill>
+        <p:spPr>
+          <a:xfrm>
+            <a:off x="418012" y="1031964"/>
+            <a:ext cx="4828032" cy="3017520"/>
+          </a:xfrm>
+          <a:prstGeom prst="rect">
+            <a:avLst/>
+          </a:prstGeom>
+        </p:spPr>
+      </p:pic>
+      <p:pic>
+        <p:nvPicPr>
+          <p:cNvPr id="5" name="Picture 4"/>
+          <p:cNvPicPr>
+            <a:picLocks noChangeAspect="1"/>
+          </p:cNvPicPr>
+          <p:nvPr/>
+        </p:nvPicPr>
+        <p:blipFill>
+          <a:blip r:embed="rId3">
+            <a:extLst>
+              <a:ext uri="{28A0092B-C50C-407E-A947-70E740481C1C}">
+                <a14:useLocalDpi xmlns:a14="http://schemas.microsoft.com/office/drawing/2010/main" val="0"/>
+              </a:ext>
+            </a:extLst>
+          </a:blip>
+          <a:stretch>
+            <a:fillRect/>
+          </a:stretch>
+        </p:blipFill>
+        <p:spPr>
+          <a:xfrm>
+            <a:off x="6252754" y="1031964"/>
+            <a:ext cx="4828032" cy="3017520"/>
+          </a:xfrm>
+          <a:prstGeom prst="rect">
+            <a:avLst/>
+          </a:prstGeom>
+        </p:spPr>
+      </p:pic>
+      <p:pic>
+        <p:nvPicPr>
+          <p:cNvPr id="6" name="Picture 5"/>
+          <p:cNvPicPr>
+            <a:picLocks noChangeAspect="1"/>
+          </p:cNvPicPr>
+          <p:nvPr/>
+        </p:nvPicPr>
+        <p:blipFill>
+          <a:blip r:embed="rId4">
+            <a:extLst>
+              <a:ext uri="{28A0092B-C50C-407E-A947-70E740481C1C}">
+                <a14:useLocalDpi xmlns:a14="http://schemas.microsoft.com/office/drawing/2010/main" val="0"/>
+              </a:ext>
+            </a:extLst>
+          </a:blip>
+          <a:stretch>
+            <a:fillRect/>
+          </a:stretch>
+        </p:blipFill>
+        <p:spPr>
+          <a:xfrm>
+            <a:off x="3257007" y="3840480"/>
+            <a:ext cx="4828032" cy="3017520"/>
+          </a:xfrm>
+          <a:prstGeom prst="rect">
+            <a:avLst/>
+          </a:prstGeom>
+        </p:spPr>
+      </p:pic>
+      <p:sp>
+        <p:nvSpPr>
+          <p:cNvPr id="10" name="Title 1"/>
+          <p:cNvSpPr>
+            <a:spLocks noGrp="1"/>
+          </p:cNvSpPr>
+          <p:nvPr>
+            <p:ph type="title"/>
+          </p:nvPr>
+        </p:nvSpPr>
+        <p:spPr>
+          <a:xfrm>
+            <a:off x="820616" y="46037"/>
+            <a:ext cx="10515600" cy="1325563"/>
+          </a:xfrm>
+        </p:spPr>
+        <p:txBody>
+          <a:bodyPr/>
+          <a:lstStyle/>
+          <a:p>
+            <a:r>
+              <a:rPr lang="nl-NL" dirty="0" smtClean="0"/>
+              <a:t>IBP 2018 – </a:t>
+            </a:r>
+            <a:r>
+              <a:rPr lang="nl-NL" dirty="0" err="1" smtClean="0"/>
+              <a:t>Comparison</a:t>
+            </a:r>
+            <a:r>
+              <a:rPr lang="nl-NL" dirty="0" smtClean="0"/>
+              <a:t> 2017 - 2018</a:t>
+            </a:r>
+            <a:endParaRPr lang="nl-NL" dirty="0"/>
+          </a:p>
+        </p:txBody>
+      </p:sp>
+    </p:spTree>
+    <p:extLst>
+      <p:ext uri="{BB962C8B-B14F-4D97-AF65-F5344CB8AC3E}">
+        <p14:creationId xmlns:p14="http://schemas.microsoft.com/office/powerpoint/2010/main" val="195904516"/>
+      </p:ext>
+    </p:extLst>
+  </p:cSld>
+  <p:clrMapOvr>
+    <a:masterClrMapping/>
+  </p:clrMapOvr>
+  <p:timing>
+    <p:tnLst>
+      <p:par>
+        <p:cTn id="1" dur="indefinite" restart="never" nodeType="tmRoot"/>
+      </p:par>
+    </p:tnLst>
+  </p:timing>
+</p:sld>
+</file>
+
+<file path=ppt/slides/slide25.xml><?xml version="1.0" encoding="utf-8"?>
+<p:sld xmlns:a="http://schemas.openxmlformats.org/drawingml/2006/main" xmlns:r="http://schemas.openxmlformats.org/officeDocument/2006/relationships" xmlns:p="http://schemas.openxmlformats.org/presentationml/2006/main">
+  <p:cSld>
+    <p:spTree>
+      <p:nvGrpSpPr>
+        <p:cNvPr id="1" name=""/>
+        <p:cNvGrpSpPr/>
+        <p:nvPr/>
+      </p:nvGrpSpPr>
+      <p:grpSpPr>
+        <a:xfrm>
+          <a:off x="0" y="0"/>
+          <a:ext cx="0" cy="0"/>
+          <a:chOff x="0" y="0"/>
+          <a:chExt cx="0" cy="0"/>
+        </a:xfrm>
+      </p:grpSpPr>
+      <p:sp>
+        <p:nvSpPr>
+          <p:cNvPr id="5" name="Title 1"/>
+          <p:cNvSpPr>
+            <a:spLocks noGrp="1"/>
+          </p:cNvSpPr>
+          <p:nvPr>
+            <p:ph type="title"/>
+          </p:nvPr>
+        </p:nvSpPr>
+        <p:spPr>
+          <a:xfrm>
+            <a:off x="820616" y="46037"/>
+            <a:ext cx="10515600" cy="1325563"/>
+          </a:xfrm>
+        </p:spPr>
+        <p:txBody>
+          <a:bodyPr/>
+          <a:lstStyle/>
+          <a:p>
+            <a:r>
+              <a:rPr lang="nl-NL" dirty="0" smtClean="0"/>
+              <a:t>IBP 2018 – </a:t>
+            </a:r>
+            <a:r>
+              <a:rPr lang="nl-NL" dirty="0" err="1" smtClean="0"/>
+              <a:t>Comparison</a:t>
+            </a:r>
+            <a:r>
+              <a:rPr lang="nl-NL" dirty="0" smtClean="0"/>
+              <a:t> </a:t>
+            </a:r>
+            <a:r>
+              <a:rPr lang="nl-NL" dirty="0" err="1" smtClean="0"/>
+              <a:t>Plusgroups</a:t>
+            </a:r>
+            <a:r>
+              <a:rPr lang="nl-NL" dirty="0" smtClean="0"/>
+              <a:t> CAA</a:t>
+            </a:r>
+            <a:endParaRPr lang="nl-NL" dirty="0"/>
+          </a:p>
+        </p:txBody>
+      </p:sp>
+      <p:sp>
+        <p:nvSpPr>
+          <p:cNvPr id="6" name="TextBox 5"/>
+          <p:cNvSpPr txBox="1"/>
+          <p:nvPr/>
+        </p:nvSpPr>
+        <p:spPr>
+          <a:xfrm>
+            <a:off x="8429897" y="1210491"/>
+            <a:ext cx="1306286" cy="369332"/>
+          </a:xfrm>
+          <a:prstGeom prst="rect">
+            <a:avLst/>
+          </a:prstGeom>
+          <a:noFill/>
+        </p:spPr>
+        <p:txBody>
+          <a:bodyPr wrap="square" rtlCol="0">
+            <a:spAutoFit/>
+          </a:bodyPr>
+          <a:lstStyle/>
+          <a:p>
+            <a:pPr algn="ctr"/>
+            <a:r>
+              <a:rPr lang="nl-NL" dirty="0" smtClean="0"/>
+              <a:t>PG8</a:t>
+            </a:r>
+            <a:endParaRPr lang="nl-NL" dirty="0"/>
+          </a:p>
+        </p:txBody>
+      </p:sp>
+      <p:pic>
+        <p:nvPicPr>
+          <p:cNvPr id="4" name="Picture 3"/>
+          <p:cNvPicPr/>
+          <p:nvPr/>
+        </p:nvPicPr>
+        <p:blipFill>
+          <a:blip r:embed="rId2"/>
+          <a:stretch>
+            <a:fillRect/>
+          </a:stretch>
+        </p:blipFill>
+        <p:spPr>
+          <a:xfrm>
+            <a:off x="6078416" y="1803400"/>
+            <a:ext cx="4817110" cy="5041900"/>
+          </a:xfrm>
+          <a:prstGeom prst="rect">
+            <a:avLst/>
+          </a:prstGeom>
+        </p:spPr>
+      </p:pic>
+      <p:pic>
+        <p:nvPicPr>
+          <p:cNvPr id="7" name="Picture 6"/>
+          <p:cNvPicPr>
+            <a:picLocks noChangeAspect="1"/>
+          </p:cNvPicPr>
+          <p:nvPr/>
+        </p:nvPicPr>
+        <p:blipFill>
+          <a:blip r:embed="rId3"/>
+          <a:stretch>
+            <a:fillRect/>
+          </a:stretch>
+        </p:blipFill>
+        <p:spPr>
+          <a:xfrm>
+            <a:off x="1112250" y="1803400"/>
+            <a:ext cx="4866593" cy="5029200"/>
+          </a:xfrm>
+          <a:prstGeom prst="rect">
+            <a:avLst/>
+          </a:prstGeom>
+        </p:spPr>
+      </p:pic>
+      <p:sp>
+        <p:nvSpPr>
+          <p:cNvPr id="8" name="TextBox 7"/>
+          <p:cNvSpPr txBox="1"/>
+          <p:nvPr/>
+        </p:nvSpPr>
+        <p:spPr>
+          <a:xfrm>
+            <a:off x="2582091" y="1224518"/>
+            <a:ext cx="1306286" cy="369332"/>
+          </a:xfrm>
+          <a:prstGeom prst="rect">
+            <a:avLst/>
+          </a:prstGeom>
+          <a:noFill/>
+        </p:spPr>
+        <p:txBody>
+          <a:bodyPr wrap="square" rtlCol="0">
+            <a:spAutoFit/>
+          </a:bodyPr>
+          <a:lstStyle/>
+          <a:p>
+            <a:pPr algn="ctr"/>
+            <a:r>
+              <a:rPr lang="nl-NL" dirty="0" smtClean="0"/>
+              <a:t>PG9</a:t>
+            </a:r>
+            <a:endParaRPr lang="nl-NL" dirty="0"/>
+          </a:p>
+        </p:txBody>
+      </p:sp>
+    </p:spTree>
+    <p:extLst>
+      <p:ext uri="{BB962C8B-B14F-4D97-AF65-F5344CB8AC3E}">
+        <p14:creationId xmlns:p14="http://schemas.microsoft.com/office/powerpoint/2010/main" val="296437757"/>
+      </p:ext>
+    </p:extLst>
+  </p:cSld>
+  <p:clrMapOvr>
+    <a:masterClrMapping/>
+  </p:clrMapOvr>
+</p:sld>
+</file>
+
 <file path=ppt/slides/slide3.xml><?xml version="1.0" encoding="utf-8"?>
 <p:sld xmlns:a="http://schemas.openxmlformats.org/drawingml/2006/main" xmlns:r="http://schemas.openxmlformats.org/officeDocument/2006/relationships" xmlns:p="http://schemas.openxmlformats.org/presentationml/2006/main">
   <p:cSld>
@@ -5508,6 +6280,13 @@
   <p:clrMapOvr>
     <a:masterClrMapping/>
   </p:clrMapOvr>
+  <p:timing>
+    <p:tnLst>
+      <p:par>
+        <p:cTn id="1" dur="indefinite" restart="never" nodeType="tmRoot"/>
+      </p:par>
+    </p:tnLst>
+  </p:timing>
 </p:sld>
 </file>
 
@@ -5727,7 +6506,7 @@
         </p:spPr>
         <p:txBody>
           <a:bodyPr>
-            <a:normAutofit fontScale="77500" lnSpcReduction="20000"/>
+            <a:normAutofit fontScale="62500" lnSpcReduction="20000"/>
           </a:bodyPr>
           <a:lstStyle/>
           <a:p>
@@ -5759,7 +6538,24 @@
               <a:rPr lang="en-GB" dirty="0" smtClean="0"/>
               <a:t>2016 data.</a:t>
             </a:r>
-            <a:endParaRPr lang="en-GB" dirty="0"/>
+          </a:p>
+          <a:p>
+            <a:pPr marL="971550" lvl="1" indent="-514350">
+              <a:buFont typeface="+mj-lt"/>
+              <a:buAutoNum type="arabicPeriod"/>
+            </a:pPr>
+            <a:r>
+              <a:rPr lang="en-GB" dirty="0" smtClean="0"/>
+              <a:t>parameter </a:t>
+            </a:r>
+            <a:r>
+              <a:rPr lang="en-GB" dirty="0" err="1" smtClean="0"/>
+              <a:t>config</a:t>
+            </a:r>
+            <a:r>
+              <a:rPr lang="en-GB" dirty="0" smtClean="0"/>
+              <a:t> set to final IBP 2017 run.</a:t>
+            </a:r>
           </a:p>
           <a:p>
             <a:pPr marL="514350" lvl="0" indent="-514350">
@@ -5905,6 +6701,21 @@
               <a:rPr lang="en-GB" dirty="0" smtClean="0"/>
               <a:t> set to final IBP 2017 run.</a:t>
             </a:r>
+          </a:p>
+          <a:p>
+            <a:pPr marL="514350" indent="-514350">
+              <a:buFont typeface="+mj-lt"/>
+              <a:buAutoNum type="arabicPeriod"/>
+            </a:pPr>
+            <a:r>
+              <a:rPr lang="en-GB" i="1" dirty="0" smtClean="0"/>
+              <a:t>SSB run using final parameter </a:t>
+            </a:r>
+            <a:r>
+              <a:rPr lang="en-GB" i="1" dirty="0" err="1" smtClean="0"/>
+              <a:t>config</a:t>
+            </a:r>
+            <a:endParaRPr lang="en-GB" i="1" dirty="0" smtClean="0"/>
           </a:p>
           <a:p>
             <a:pPr marL="514350" lvl="0" indent="-514350">
@@ -5929,7 +6740,7 @@
         </p:nvGrpSpPr>
         <p:grpSpPr>
           <a:xfrm>
-            <a:off x="245994" y="1338558"/>
+            <a:off x="796834" y="1411174"/>
             <a:ext cx="11617280" cy="5446826"/>
             <a:chOff x="245994" y="1338558"/>
             <a:chExt cx="11617280" cy="5446826"/>
@@ -6595,7 +7406,7 @@
                                 </p:cTn>
                               </p:par>
                               <p:par>
-                                <p:cTn id="35" presetID="1" presetClass="entr" presetSubtype="0" fill="hold" nodeType="withEffect">
+                                <p:cTn id="35" presetID="1" presetClass="exit" presetSubtype="0" fill="hold" grpId="0" nodeType="withEffect">
                                   <p:stCondLst>
                                     <p:cond delay="0"/>
                                   </p:stCondLst>
@@ -6603,6 +7414,86 @@
                                     <p:set>
                                       <p:cBhvr>
                                         <p:cTn id="36" dur="1" fill="hold">
+                                          <p:stCondLst>
+                                            <p:cond delay="0"/>
+                                          </p:stCondLst>
+                                        </p:cTn>
+                                        <p:tgtEl>
+                                          <p:spTgt spid="10">
+                                            <p:txEl>
+                                              <p:pRg st="15" end="15"/>
+                                            </p:txEl>
+                                          </p:spTgt>
+                                        </p:tgtEl>
+                                        <p:attrNameLst>
+                                          <p:attrName>style.visibility</p:attrName>
+                                        </p:attrNameLst>
+                                      </p:cBhvr>
+                                      <p:to>
+                                        <p:strVal val="hidden"/>
+                                      </p:to>
+                                    </p:set>
+                                  </p:childTnLst>
+                                </p:cTn>
+                              </p:par>
+                            </p:childTnLst>
+                          </p:cTn>
+                        </p:par>
+                      </p:childTnLst>
+                    </p:cTn>
+                  </p:par>
+                  <p:par>
+                    <p:cTn id="37" fill="hold">
+                      <p:stCondLst>
+                        <p:cond delay="indefinite"/>
+                      </p:stCondLst>
+                      <p:childTnLst>
+                        <p:par>
+                          <p:cTn id="38" fill="hold">
+                            <p:stCondLst>
+                              <p:cond delay="0"/>
+                            </p:stCondLst>
+                            <p:childTnLst>
+                              <p:par>
+                                <p:cTn id="39" presetID="1" presetClass="exit" presetSubtype="0" fill="hold" grpId="0" nodeType="clickEffect">
+                                  <p:stCondLst>
+                                    <p:cond delay="0"/>
+                                  </p:stCondLst>
+                                  <p:childTnLst>
+                                    <p:set>
+                                      <p:cBhvr>
+                                        <p:cTn id="40" dur="1" fill="hold">
+                                          <p:stCondLst>
+                                            <p:cond delay="0"/>
+                                          </p:stCondLst>
+                                        </p:cTn>
+                                        <p:tgtEl>
+                                          <p:spTgt spid="10">
+                                            <p:txEl>
+                                              <p:pRg st="16" end="16"/>
+                                            </p:txEl>
+                                          </p:spTgt>
+                                        </p:tgtEl>
+                                        <p:attrNameLst>
+                                          <p:attrName>style.visibility</p:attrName>
+                                        </p:attrNameLst>
+                                      </p:cBhvr>
+                                      <p:to>
+                                        <p:strVal val="hidden"/>
+                                      </p:to>
+                                    </p:set>
+                                  </p:childTnLst>
+                                </p:cTn>
+                              </p:par>
+                              <p:par>
+                                <p:cTn id="41" presetID="1" presetClass="entr" presetSubtype="0" fill="hold" nodeType="withEffect">
+                                  <p:stCondLst>
+                                    <p:cond delay="0"/>
+                                  </p:stCondLst>
+                                  <p:childTnLst>
+                                    <p:set>
+                                      <p:cBhvr>
+                                        <p:cTn id="42" dur="1" fill="hold">
                                           <p:stCondLst>
                                             <p:cond delay="0"/>
                                           </p:stCondLst>
@@ -6783,11 +7674,7 @@
             </a:pPr>
             <a:r>
               <a:rPr lang="en-GB" dirty="0" smtClean="0"/>
-              <a:t>Max age in </a:t>
-            </a:r>
-            <a:r>
-              <a:rPr lang="en-GB" dirty="0" smtClean="0"/>
-              <a:t>surveys: </a:t>
+              <a:t>Max age in surveys: </a:t>
             </a:r>
           </a:p>
           <a:p>
@@ -7205,11 +8092,11 @@
   <p:clrMapOvr>
     <a:masterClrMapping/>
   </p:clrMapOvr>
-  <mc:AlternateContent xmlns:mc="http://schemas.openxmlformats.org/markup-compatibility/2006">
-    <mc:Choice xmlns:p14="http://schemas.microsoft.com/office/powerpoint/2010/main" Requires="p14">
+  <mc:AlternateContent xmlns:mc="http://schemas.openxmlformats.org/markup-compatibility/2006" xmlns:p14="http://schemas.microsoft.com/office/powerpoint/2010/main">
+    <mc:Choice Requires="p14">
       <p:transition spd="slow" p14:dur="2000"/>
     </mc:Choice>
-    <mc:Fallback>
+    <mc:Fallback xmlns="">
       <p:transition spd="slow"/>
     </mc:Fallback>
   </mc:AlternateContent>
